--- a/iotschema-january2020.pptx
+++ b/iotschema-january2020.pptx
@@ -64,8 +64,8 @@
   <p:custDataLst>
     <p:custData r:id="rId5"/>
     <p:custData r:id="rId6"/>
+    <p:custData r:id="rId1"/>
     <p:custData r:id="rId2"/>
-    <p:custData r:id="rId1"/>
     <p:custData r:id="rId3"/>
     <p:custData r:id="rId7"/>
     <p:custData r:id="rId4"/>
@@ -263,7 +263,7 @@
           <a:p>
             <a:fld id="{C1DE39E3-6883-42FC-9789-B075C6AE667C}" type="datetimeFigureOut">
               <a:rPr lang="de-DE" smtClean="0"/>
-              <a:t>15.01.20</a:t>
+              <a:t>16.01.20</a:t>
             </a:fld>
             <a:endParaRPr lang="de-DE"/>
           </a:p>
@@ -1676,7 +1676,7 @@
           <a:p>
             <a:fld id="{6234319D-5064-8D4A-B0F9-332A5EB526CE}" type="datetimeFigureOut">
               <a:rPr lang="en-US" smtClean="0"/>
-              <a:t>1/15/20</a:t>
+              <a:t>1/16/20</a:t>
             </a:fld>
             <a:endParaRPr lang="en-US"/>
           </a:p>
@@ -1841,7 +1841,7 @@
           <a:p>
             <a:fld id="{6234319D-5064-8D4A-B0F9-332A5EB526CE}" type="datetimeFigureOut">
               <a:rPr lang="en-US" smtClean="0"/>
-              <a:t>1/15/20</a:t>
+              <a:t>1/16/20</a:t>
             </a:fld>
             <a:endParaRPr lang="en-US"/>
           </a:p>
@@ -2016,7 +2016,7 @@
           <a:p>
             <a:fld id="{6234319D-5064-8D4A-B0F9-332A5EB526CE}" type="datetimeFigureOut">
               <a:rPr lang="en-US" smtClean="0"/>
-              <a:t>1/15/20</a:t>
+              <a:t>1/16/20</a:t>
             </a:fld>
             <a:endParaRPr lang="en-US"/>
           </a:p>
@@ -2181,7 +2181,7 @@
           <a:p>
             <a:fld id="{6234319D-5064-8D4A-B0F9-332A5EB526CE}" type="datetimeFigureOut">
               <a:rPr lang="en-US" smtClean="0"/>
-              <a:t>1/15/20</a:t>
+              <a:t>1/16/20</a:t>
             </a:fld>
             <a:endParaRPr lang="en-US"/>
           </a:p>
@@ -2420,7 +2420,7 @@
           <a:p>
             <a:fld id="{6234319D-5064-8D4A-B0F9-332A5EB526CE}" type="datetimeFigureOut">
               <a:rPr lang="en-US" smtClean="0"/>
-              <a:t>1/15/20</a:t>
+              <a:t>1/16/20</a:t>
             </a:fld>
             <a:endParaRPr lang="en-US"/>
           </a:p>
@@ -2647,7 +2647,7 @@
           <a:p>
             <a:fld id="{6234319D-5064-8D4A-B0F9-332A5EB526CE}" type="datetimeFigureOut">
               <a:rPr lang="en-US" smtClean="0"/>
-              <a:t>1/15/20</a:t>
+              <a:t>1/16/20</a:t>
             </a:fld>
             <a:endParaRPr lang="en-US"/>
           </a:p>
@@ -3009,7 +3009,7 @@
           <a:p>
             <a:fld id="{6234319D-5064-8D4A-B0F9-332A5EB526CE}" type="datetimeFigureOut">
               <a:rPr lang="en-US" smtClean="0"/>
-              <a:t>1/15/20</a:t>
+              <a:t>1/16/20</a:t>
             </a:fld>
             <a:endParaRPr lang="en-US"/>
           </a:p>
@@ -3122,7 +3122,7 @@
           <a:p>
             <a:fld id="{6234319D-5064-8D4A-B0F9-332A5EB526CE}" type="datetimeFigureOut">
               <a:rPr lang="en-US" smtClean="0"/>
-              <a:t>1/15/20</a:t>
+              <a:t>1/16/20</a:t>
             </a:fld>
             <a:endParaRPr lang="en-US"/>
           </a:p>
@@ -3212,7 +3212,7 @@
           <a:p>
             <a:fld id="{6234319D-5064-8D4A-B0F9-332A5EB526CE}" type="datetimeFigureOut">
               <a:rPr lang="en-US" smtClean="0"/>
-              <a:t>1/15/20</a:t>
+              <a:t>1/16/20</a:t>
             </a:fld>
             <a:endParaRPr lang="en-US"/>
           </a:p>
@@ -3484,7 +3484,7 @@
           <a:p>
             <a:fld id="{6234319D-5064-8D4A-B0F9-332A5EB526CE}" type="datetimeFigureOut">
               <a:rPr lang="en-US" smtClean="0"/>
-              <a:t>1/15/20</a:t>
+              <a:t>1/16/20</a:t>
             </a:fld>
             <a:endParaRPr lang="en-US"/>
           </a:p>
@@ -3736,7 +3736,7 @@
           <a:p>
             <a:fld id="{6234319D-5064-8D4A-B0F9-332A5EB526CE}" type="datetimeFigureOut">
               <a:rPr lang="en-US" smtClean="0"/>
-              <a:t>1/15/20</a:t>
+              <a:t>1/16/20</a:t>
             </a:fld>
             <a:endParaRPr lang="en-US"/>
           </a:p>
@@ -3944,7 +3944,7 @@
           <a:p>
             <a:fld id="{6234319D-5064-8D4A-B0F9-332A5EB526CE}" type="datetimeFigureOut">
               <a:rPr lang="en-US" smtClean="0"/>
-              <a:t>1/15/20</a:t>
+              <a:t>1/16/20</a:t>
             </a:fld>
             <a:endParaRPr lang="en-US"/>
           </a:p>
@@ -4429,7 +4429,7 @@
           <p:cNvPr id="4" name="Rectangle 3">
             <a:extLst>
               <a:ext uri="{FF2B5EF4-FFF2-40B4-BE49-F238E27FC236}">
-                <a16:creationId xmlns:a16="http://schemas.microsoft.com/office/drawing/2014/main" xmlns="" id="{FFD80D52-A0AD-4B52-BC8C-AB56009BF88B}"/>
+                <a16:creationId xmlns="" xmlns:a16="http://schemas.microsoft.com/office/drawing/2014/main" id="{FFD80D52-A0AD-4B52-BC8C-AB56009BF88B}"/>
               </a:ext>
             </a:extLst>
           </p:cNvPr>
@@ -4516,6 +4516,13 @@
   <p:clrMapOvr>
     <a:masterClrMapping/>
   </p:clrMapOvr>
+  <p:timing>
+    <p:tnLst>
+      <p:par>
+        <p:cTn id="1" dur="indefinite" restart="never" nodeType="tmRoot"/>
+      </p:par>
+    </p:tnLst>
+  </p:timing>
 </p:sld>
 </file>
 
@@ -10983,11 +10990,7 @@
           <a:p>
             <a:r>
               <a:rPr lang="en-US" dirty="0" smtClean="0"/>
-              <a:t>Agenda </a:t>
-            </a:r>
-            <a:r>
-              <a:rPr lang="en-US" dirty="0" smtClean="0"/>
-              <a:t>review</a:t>
+              <a:t>Agenda review</a:t>
             </a:r>
           </a:p>
           <a:p>
@@ -11071,6 +11074,13 @@
   <p:clrMapOvr>
     <a:masterClrMapping/>
   </p:clrMapOvr>
+  <p:timing>
+    <p:tnLst>
+      <p:par>
+        <p:cTn id="1" dur="indefinite" restart="never" nodeType="tmRoot"/>
+      </p:par>
+    </p:tnLst>
+  </p:timing>
 </p:sld>
 </file>
 
@@ -17149,6 +17159,13 @@
   <p:clrMapOvr>
     <a:masterClrMapping/>
   </p:clrMapOvr>
+  <p:timing>
+    <p:tnLst>
+      <p:par>
+        <p:cTn id="1" dur="indefinite" restart="never" nodeType="tmRoot"/>
+      </p:par>
+    </p:tnLst>
+  </p:timing>
 </p:sld>
 </file>
 
@@ -20494,7 +20511,7 @@
           <p:cNvPr id="4" name="Rectangle 3">
             <a:extLst>
               <a:ext uri="{FF2B5EF4-FFF2-40B4-BE49-F238E27FC236}">
-                <a16:creationId xmlns:a16="http://schemas.microsoft.com/office/drawing/2014/main" xmlns="" id="{FFD80D52-A0AD-4B52-BC8C-AB56009BF88B}"/>
+                <a16:creationId xmlns="" xmlns:a16="http://schemas.microsoft.com/office/drawing/2014/main" id="{FFD80D52-A0AD-4B52-BC8C-AB56009BF88B}"/>
               </a:ext>
             </a:extLst>
           </p:cNvPr>
@@ -21259,6 +21276,13 @@
   <p:clrMapOvr>
     <a:masterClrMapping/>
   </p:clrMapOvr>
+  <p:timing>
+    <p:tnLst>
+      <p:par>
+        <p:cTn id="1" dur="indefinite" restart="never" nodeType="tmRoot"/>
+      </p:par>
+    </p:tnLst>
+  </p:timing>
 </p:sld>
 </file>
 
@@ -22947,6 +22971,13 @@
   <p:clrMapOvr>
     <a:masterClrMapping/>
   </p:clrMapOvr>
+  <p:timing>
+    <p:tnLst>
+      <p:par>
+        <p:cTn id="1" dur="indefinite" restart="never" nodeType="tmRoot"/>
+      </p:par>
+    </p:tnLst>
+  </p:timing>
 </p:sld>
 </file>
 
@@ -23048,7 +23079,7 @@
                 <a:hlinkClick r:id="rId3">
                   <a:extLst>
                     <a:ext uri="{A12FA001-AC4F-418D-AE19-62706E023703}">
-                      <ahyp:hlinkClr xmlns:ahyp="http://schemas.microsoft.com/office/drawing/2018/hyperlinkcolor" xmlns="" val="tx"/>
+                      <ahyp:hlinkClr xmlns="" xmlns:ahyp="http://schemas.microsoft.com/office/drawing/2018/hyperlinkcolor" val="tx"/>
                     </a:ext>
                   </a:extLst>
                 </a:hlinkClick>
@@ -23118,7 +23149,7 @@
                 <a:hlinkClick r:id="rId5">
                   <a:extLst>
                     <a:ext uri="{A12FA001-AC4F-418D-AE19-62706E023703}">
-                      <ahyp:hlinkClr xmlns:ahyp="http://schemas.microsoft.com/office/drawing/2018/hyperlinkcolor" xmlns="" val="tx"/>
+                      <ahyp:hlinkClr xmlns="" xmlns:ahyp="http://schemas.microsoft.com/office/drawing/2018/hyperlinkcolor" val="tx"/>
                     </a:ext>
                   </a:extLst>
                 </a:hlinkClick>
@@ -23154,7 +23185,7 @@
                 <a:hlinkClick r:id="rId4">
                   <a:extLst>
                     <a:ext uri="{A12FA001-AC4F-418D-AE19-62706E023703}">
-                      <ahyp:hlinkClr xmlns:ahyp="http://schemas.microsoft.com/office/drawing/2018/hyperlinkcolor" xmlns="" val="tx"/>
+                      <ahyp:hlinkClr xmlns="" xmlns:ahyp="http://schemas.microsoft.com/office/drawing/2018/hyperlinkcolor" val="tx"/>
                     </a:ext>
                   </a:extLst>
                 </a:hlinkClick>
@@ -23419,7 +23450,15 @@
           <a:p>
             <a:r>
               <a:rPr lang="en-US" dirty="0" smtClean="0"/>
-              <a:t>System level Model Extension Candidates for </a:t>
+              <a:t>System </a:t>
+            </a:r>
+            <a:r>
+              <a:rPr lang="en-US" dirty="0" smtClean="0"/>
+              <a:t>Level </a:t>
+            </a:r>
+            <a:r>
+              <a:rPr lang="en-US" dirty="0" smtClean="0"/>
+              <a:t>Model Extension Candidates for </a:t>
             </a:r>
             <a:r>
               <a:rPr lang="en-US" dirty="0" err="1" smtClean="0"/>
@@ -23533,6 +23572,13 @@
   <p:clrMapOvr>
     <a:masterClrMapping/>
   </p:clrMapOvr>
+  <p:timing>
+    <p:tnLst>
+      <p:par>
+        <p:cTn id="1" dur="indefinite" restart="never" nodeType="tmRoot"/>
+      </p:par>
+    </p:tnLst>
+  </p:timing>
 </p:sld>
 </file>
 
@@ -23617,6 +23663,13 @@
   <p:clrMapOvr>
     <a:masterClrMapping/>
   </p:clrMapOvr>
+  <p:timing>
+    <p:tnLst>
+      <p:par>
+        <p:cTn id="1" dur="indefinite" restart="never" nodeType="tmRoot"/>
+      </p:par>
+    </p:tnLst>
+  </p:timing>
 </p:sld>
 </file>
 
